--- a/week6/slides.pptx
+++ b/week6/slides.pptx
@@ -7,9 +7,7 @@
   <p:sldIdLst>
     <p:sldId id="256" r:id="rId2"/>
     <p:sldId id="268" r:id="rId3"/>
-    <p:sldId id="271" r:id="rId4"/>
-    <p:sldId id="270" r:id="rId5"/>
-    <p:sldId id="272" r:id="rId6"/>
+    <p:sldId id="269" r:id="rId4"/>
   </p:sldIdLst>
   <p:sldSz cx="12192000" cy="6858000"/>
   <p:notesSz cx="6858000" cy="9144000"/>
@@ -5872,7 +5870,7 @@
             <a:fld id="{B61BEF0D-F0BB-DE4B-95CE-6DB70DBA9567}" type="datetimeFigureOut">
               <a:rPr lang="en-US" dirty="0"/>
               <a:pPr/>
-              <a:t>4/15/19</a:t>
+              <a:t>4/16/19</a:t>
             </a:fld>
             <a:endParaRPr lang="en-US" dirty="0"/>
           </a:p>
@@ -6131,7 +6129,7 @@
             <a:fld id="{B61BEF0D-F0BB-DE4B-95CE-6DB70DBA9567}" type="datetimeFigureOut">
               <a:rPr lang="en-US" dirty="0"/>
               <a:pPr/>
-              <a:t>4/15/19</a:t>
+              <a:t>4/16/19</a:t>
             </a:fld>
             <a:endParaRPr lang="en-US" dirty="0"/>
           </a:p>
@@ -6363,7 +6361,7 @@
             <a:fld id="{B61BEF0D-F0BB-DE4B-95CE-6DB70DBA9567}" type="datetimeFigureOut">
               <a:rPr lang="en-US" dirty="0"/>
               <a:pPr/>
-              <a:t>4/15/19</a:t>
+              <a:t>4/16/19</a:t>
             </a:fld>
             <a:endParaRPr lang="en-US" dirty="0"/>
           </a:p>
@@ -6600,7 +6598,7 @@
             <a:fld id="{B61BEF0D-F0BB-DE4B-95CE-6DB70DBA9567}" type="datetimeFigureOut">
               <a:rPr lang="en-US" dirty="0"/>
               <a:pPr/>
-              <a:t>4/15/19</a:t>
+              <a:t>4/16/19</a:t>
             </a:fld>
             <a:endParaRPr lang="en-US" dirty="0"/>
           </a:p>
@@ -6904,7 +6902,7 @@
             <a:fld id="{B61BEF0D-F0BB-DE4B-95CE-6DB70DBA9567}" type="datetimeFigureOut">
               <a:rPr lang="en-US" dirty="0"/>
               <a:pPr/>
-              <a:t>4/15/19</a:t>
+              <a:t>4/16/19</a:t>
             </a:fld>
             <a:endParaRPr lang="en-US" dirty="0"/>
           </a:p>
@@ -7203,7 +7201,7 @@
             <a:fld id="{B61BEF0D-F0BB-DE4B-95CE-6DB70DBA9567}" type="datetimeFigureOut">
               <a:rPr lang="en-US" dirty="0"/>
               <a:pPr/>
-              <a:t>4/15/19</a:t>
+              <a:t>4/16/19</a:t>
             </a:fld>
             <a:endParaRPr lang="en-US" dirty="0"/>
           </a:p>
@@ -7622,7 +7620,7 @@
             <a:fld id="{B61BEF0D-F0BB-DE4B-95CE-6DB70DBA9567}" type="datetimeFigureOut">
               <a:rPr lang="en-US" dirty="0"/>
               <a:pPr/>
-              <a:t>4/15/19</a:t>
+              <a:t>4/16/19</a:t>
             </a:fld>
             <a:endParaRPr lang="en-US" dirty="0"/>
           </a:p>
@@ -7781,7 +7779,7 @@
             <a:fld id="{B61BEF0D-F0BB-DE4B-95CE-6DB70DBA9567}" type="datetimeFigureOut">
               <a:rPr lang="en-US" dirty="0"/>
               <a:pPr/>
-              <a:t>4/15/19</a:t>
+              <a:t>4/16/19</a:t>
             </a:fld>
             <a:endParaRPr lang="en-US" dirty="0"/>
           </a:p>
@@ -7873,7 +7871,7 @@
             <a:fld id="{B61BEF0D-F0BB-DE4B-95CE-6DB70DBA9567}" type="datetimeFigureOut">
               <a:rPr lang="en-US" dirty="0"/>
               <a:pPr/>
-              <a:t>4/15/19</a:t>
+              <a:t>4/16/19</a:t>
             </a:fld>
             <a:endParaRPr lang="en-US" dirty="0"/>
           </a:p>
@@ -8248,7 +8246,7 @@
             <a:fld id="{B61BEF0D-F0BB-DE4B-95CE-6DB70DBA9567}" type="datetimeFigureOut">
               <a:rPr lang="en-US" dirty="0"/>
               <a:pPr/>
-              <a:t>4/15/19</a:t>
+              <a:t>4/16/19</a:t>
             </a:fld>
             <a:endParaRPr lang="en-US" dirty="0"/>
           </a:p>
@@ -8534,7 +8532,7 @@
             <a:fld id="{B61BEF0D-F0BB-DE4B-95CE-6DB70DBA9567}" type="datetimeFigureOut">
               <a:rPr lang="en-US" dirty="0"/>
               <a:pPr/>
-              <a:t>4/15/19</a:t>
+              <a:t>4/16/19</a:t>
             </a:fld>
             <a:endParaRPr lang="en-US" dirty="0"/>
           </a:p>
@@ -8742,7 +8740,7 @@
             <a:fld id="{B61BEF0D-F0BB-DE4B-95CE-6DB70DBA9567}" type="datetimeFigureOut">
               <a:rPr lang="en-US" dirty="0"/>
               <a:pPr/>
-              <a:t>4/15/19</a:t>
+              <a:t>4/16/19</a:t>
             </a:fld>
             <a:endParaRPr lang="en-US" dirty="0"/>
           </a:p>
@@ -9639,7 +9637,7 @@
           <p:cNvPr id="2" name="Title 1">
             <a:extLst>
               <a:ext uri="{FF2B5EF4-FFF2-40B4-BE49-F238E27FC236}">
-                <a16:creationId xmlns:a16="http://schemas.microsoft.com/office/drawing/2014/main" id="{459A71A1-3727-2F48-A5CE-BF7EF65AF577}"/>
+                <a16:creationId xmlns:a16="http://schemas.microsoft.com/office/drawing/2014/main" id="{D0955B5E-0ACE-EC48-A7C7-150AA16D60FA}"/>
               </a:ext>
             </a:extLst>
           </p:cNvPr>
@@ -9657,7 +9655,15 @@
           <a:p>
             <a:r>
               <a:rPr lang="en-US" dirty="0"/>
-              <a:t>Logistics</a:t>
+              <a:t>Exercise </a:t>
+            </a:r>
+            <a:r>
+              <a:rPr lang="el-GR" dirty="0"/>
+              <a:t>(</a:t>
+            </a:r>
+            <a:r>
+              <a:rPr lang="en-US" dirty="0"/>
+              <a:t>with a partner)</a:t>
             </a:r>
           </a:p>
         </p:txBody>
@@ -9667,7 +9673,7 @@
           <p:cNvPr id="3" name="Content Placeholder 2">
             <a:extLst>
               <a:ext uri="{FF2B5EF4-FFF2-40B4-BE49-F238E27FC236}">
-                <a16:creationId xmlns:a16="http://schemas.microsoft.com/office/drawing/2014/main" id="{6EA6F8F3-BBD1-994D-B42F-37ACBB70141C}"/>
+                <a16:creationId xmlns:a16="http://schemas.microsoft.com/office/drawing/2014/main" id="{E9FF3674-D3CC-2649-89B6-3E31800467B4}"/>
               </a:ext>
             </a:extLst>
           </p:cNvPr>
@@ -9681,9 +9687,77 @@
         <p:spPr/>
         <p:txBody>
           <a:bodyPr>
-            <a:normAutofit/>
+            <a:normAutofit fontScale="62500" lnSpcReduction="20000"/>
           </a:bodyPr>
           <a:lstStyle/>
+          <a:p>
+            <a:pPr marL="0" indent="0">
+              <a:buNone/>
+            </a:pPr>
+            <a:r>
+              <a:rPr lang="en-US" dirty="0"/>
+              <a:t>Assuming we have </a:t>
+            </a:r>
+            <a:r>
+              <a:rPr lang="en-US" b="1" dirty="0"/>
+              <a:t>N</a:t>
+            </a:r>
+            <a:r>
+              <a:rPr lang="en-US" dirty="0"/>
+              <a:t> documents and a vocabulary of  </a:t>
+            </a:r>
+            <a:r>
+              <a:rPr lang="en-US" b="1" dirty="0"/>
+              <a:t>V </a:t>
+            </a:r>
+            <a:r>
+              <a:rPr lang="en-US" dirty="0"/>
+              <a:t>words. For the last question, assume a context window of </a:t>
+            </a:r>
+            <a:r>
+              <a:rPr lang="en-US" b="1" dirty="0"/>
+              <a:t>1</a:t>
+            </a:r>
+            <a:r>
+              <a:rPr lang="en-US" dirty="0"/>
+              <a:t>. </a:t>
+            </a:r>
+          </a:p>
+          <a:p>
+            <a:pPr marL="0" indent="0">
+              <a:buNone/>
+            </a:pPr>
+            <a:r>
+              <a:rPr lang="en-US" b="1" dirty="0"/>
+              <a:t>For each object:</a:t>
+            </a:r>
+          </a:p>
+          <a:p>
+            <a:pPr marL="342900" indent="-342900">
+              <a:buAutoNum type="arabicPeriod"/>
+            </a:pPr>
+            <a:r>
+              <a:rPr lang="en-US" b="1" dirty="0"/>
+              <a:t>Shape</a:t>
+            </a:r>
+          </a:p>
+          <a:p>
+            <a:pPr marL="342900" indent="-342900">
+              <a:buAutoNum type="arabicPeriod"/>
+            </a:pPr>
+            <a:r>
+              <a:rPr lang="en-US" b="1" dirty="0"/>
+              <a:t>What does matrix[</a:t>
+            </a:r>
+            <a:r>
+              <a:rPr lang="en-US" b="1" dirty="0" err="1"/>
+              <a:t>i,j</a:t>
+            </a:r>
+            <a:r>
+              <a:rPr lang="en-US" b="1" dirty="0"/>
+              <a:t>] represent?</a:t>
+            </a:r>
+          </a:p>
           <a:p>
             <a:pPr marL="0" indent="0">
               <a:buNone/>
@@ -9693,91 +9767,61 @@
           <a:p>
             <a:r>
               <a:rPr lang="en-US" dirty="0"/>
-              <a:t>Check/post </a:t>
+              <a:t>Test feature matrix</a:t>
             </a:r>
-            <a:r>
-              <a:rPr lang="en-US" b="1" dirty="0"/>
-              <a:t>#questions </a:t>
-            </a:r>
+          </a:p>
+          <a:p>
             <a:r>
               <a:rPr lang="en-US" dirty="0"/>
-              <a:t>for class questions.</a:t>
+              <a:t>Test target vector</a:t>
             </a:r>
-            <a:endParaRPr lang="en-US" b="1" dirty="0"/>
           </a:p>
           <a:p>
             <a:r>
               <a:rPr lang="en-US" dirty="0"/>
-              <a:t>HW3 will be graded by</a:t>
-            </a:r>
-            <a:r>
-              <a:rPr lang="en-US" b="1" dirty="0"/>
-              <a:t> 11:59pm PST, Saturday April. 6</a:t>
-            </a:r>
-            <a:r>
-              <a:rPr lang="en-US" b="1" baseline="30000" dirty="0"/>
-              <a:t>th</a:t>
-            </a:r>
-            <a:r>
-              <a:rPr lang="en-US" b="1" dirty="0"/>
-              <a:t>.</a:t>
+              <a:t>Training target vector</a:t>
             </a:r>
           </a:p>
           <a:p>
             <a:r>
               <a:rPr lang="en-US" dirty="0"/>
-              <a:t>Rubric for the midterm exam will be uploaded by </a:t>
+              <a:t>Co-occurrence matrix</a:t>
             </a:r>
-            <a:r>
-              <a:rPr lang="en-US" b="1" dirty="0"/>
-              <a:t>Sunday</a:t>
-            </a:r>
+          </a:p>
+          <a:p>
             <a:r>
               <a:rPr lang="en-US" dirty="0"/>
-              <a:t>.</a:t>
-            </a:r>
-          </a:p>
-          <a:p>
-            <a:r>
-              <a:rPr lang="en-US" b="1" dirty="0"/>
-              <a:t>Office hours this week are Saturday 9am-12pm PST.</a:t>
+              <a:t>Transition matrix</a:t>
             </a:r>
           </a:p>
           <a:p>
             <a:r>
               <a:rPr lang="en-US" dirty="0"/>
-              <a:t>Class exercises today need to be </a:t>
+              <a:t>Word vectors</a:t>
             </a:r>
-            <a:r>
-              <a:rPr lang="en-US" b="1" dirty="0"/>
-              <a:t>submitted via Slack </a:t>
-            </a:r>
+          </a:p>
+          <a:p>
             <a:r>
               <a:rPr lang="en-US" dirty="0"/>
-              <a:t>to me for classwork grade.</a:t>
+              <a:t>One-hot encoded vector</a:t>
             </a:r>
           </a:p>
           <a:p>
             <a:r>
               <a:rPr lang="en-US" dirty="0"/>
-              <a:t>Midterm exam will be </a:t>
+              <a:t>Context vectors</a:t>
             </a:r>
-            <a:r>
-              <a:rPr lang="en-US" b="1" dirty="0"/>
-              <a:t>80 minutes </a:t>
-            </a:r>
+          </a:p>
+          <a:p>
             <a:r>
               <a:rPr lang="en-US" dirty="0"/>
-              <a:t>on </a:t>
+              <a:t>Draw the word2vec architecture and label all of its shapes:</a:t>
             </a:r>
-            <a:r>
-              <a:rPr lang="en-US" b="1" dirty="0"/>
-              <a:t>Tuesday,  April 9</a:t>
-            </a:r>
-            <a:r>
-              <a:rPr lang="en-US" b="1" baseline="30000" dirty="0"/>
-              <a:t>th</a:t>
-            </a:r>
+          </a:p>
+          <a:p>
+            <a:endParaRPr lang="en-US" dirty="0"/>
+          </a:p>
+          <a:p>
             <a:endParaRPr lang="en-US" dirty="0"/>
           </a:p>
         </p:txBody>
@@ -9785,235 +9829,7 @@
     </p:spTree>
     <p:extLst>
       <p:ext uri="{BB962C8B-B14F-4D97-AF65-F5344CB8AC3E}">
-        <p14:creationId xmlns:p14="http://schemas.microsoft.com/office/powerpoint/2010/main" val="3540676560"/>
-      </p:ext>
-    </p:extLst>
-  </p:cSld>
-  <p:clrMapOvr>
-    <a:masterClrMapping/>
-  </p:clrMapOvr>
-</p:sld>
-</file>
-
-<file path=ppt/slides/slide4.xml><?xml version="1.0" encoding="utf-8"?>
-<p:sld xmlns:a="http://schemas.openxmlformats.org/drawingml/2006/main" xmlns:r="http://schemas.openxmlformats.org/officeDocument/2006/relationships" xmlns:p="http://schemas.openxmlformats.org/presentationml/2006/main">
-  <p:cSld>
-    <p:spTree>
-      <p:nvGrpSpPr>
-        <p:cNvPr id="1" name=""/>
-        <p:cNvGrpSpPr/>
-        <p:nvPr/>
-      </p:nvGrpSpPr>
-      <p:grpSpPr>
-        <a:xfrm>
-          <a:off x="0" y="0"/>
-          <a:ext cx="0" cy="0"/>
-          <a:chOff x="0" y="0"/>
-          <a:chExt cx="0" cy="0"/>
-        </a:xfrm>
-      </p:grpSpPr>
-      <p:sp>
-        <p:nvSpPr>
-          <p:cNvPr id="2" name="Title 1">
-            <a:extLst>
-              <a:ext uri="{FF2B5EF4-FFF2-40B4-BE49-F238E27FC236}">
-                <a16:creationId xmlns:a16="http://schemas.microsoft.com/office/drawing/2014/main" id="{A4060DE6-C4A5-924B-A00E-98CD416FA11D}"/>
-              </a:ext>
-            </a:extLst>
-          </p:cNvPr>
-          <p:cNvSpPr>
-            <a:spLocks noGrp="1"/>
-          </p:cNvSpPr>
-          <p:nvPr>
-            <p:ph type="title"/>
-          </p:nvPr>
-        </p:nvSpPr>
-        <p:spPr/>
-        <p:txBody>
-          <a:bodyPr/>
-          <a:lstStyle/>
-          <a:p>
-            <a:r>
-              <a:rPr lang="en-US" dirty="0"/>
-              <a:t>TF-IDF Exercise (10 minutes)</a:t>
-            </a:r>
-          </a:p>
-        </p:txBody>
-      </p:sp>
-      <p:sp>
-        <p:nvSpPr>
-          <p:cNvPr id="3" name="Content Placeholder 2">
-            <a:extLst>
-              <a:ext uri="{FF2B5EF4-FFF2-40B4-BE49-F238E27FC236}">
-                <a16:creationId xmlns:a16="http://schemas.microsoft.com/office/drawing/2014/main" id="{C2742090-08F1-FD44-9060-27D243814052}"/>
-              </a:ext>
-            </a:extLst>
-          </p:cNvPr>
-          <p:cNvSpPr>
-            <a:spLocks noGrp="1"/>
-          </p:cNvSpPr>
-          <p:nvPr>
-            <p:ph idx="1"/>
-          </p:nvPr>
-        </p:nvSpPr>
-        <p:spPr/>
-        <p:txBody>
-          <a:bodyPr>
-            <a:normAutofit fontScale="92500" lnSpcReduction="20000"/>
-          </a:bodyPr>
-          <a:lstStyle/>
-          <a:p>
-            <a:r>
-              <a:rPr lang="en-US" sz="3200" b="1" dirty="0"/>
-              <a:t>Document:</a:t>
-            </a:r>
-          </a:p>
-          <a:p>
-            <a:pPr lvl="1"/>
-            <a:r>
-              <a:rPr lang="en-US" sz="3000" b="1" dirty="0"/>
-              <a:t>A.</a:t>
-            </a:r>
-          </a:p>
-          <a:p>
-            <a:pPr lvl="1"/>
-            <a:r>
-              <a:rPr lang="en-US" sz="3000" b="1" dirty="0"/>
-              <a:t>B.</a:t>
-            </a:r>
-          </a:p>
-          <a:p>
-            <a:pPr lvl="1"/>
-            <a:r>
-              <a:rPr lang="en-US" sz="3000" b="1" dirty="0"/>
-              <a:t>C.</a:t>
-            </a:r>
-          </a:p>
-          <a:p>
-            <a:pPr lvl="1"/>
-            <a:r>
-              <a:rPr lang="en-US" sz="3000" b="1" dirty="0"/>
-              <a:t>D.</a:t>
-            </a:r>
-          </a:p>
-          <a:p>
-            <a:pPr lvl="1"/>
-            <a:r>
-              <a:rPr lang="en-US" sz="3000" b="1" dirty="0"/>
-              <a:t>E.</a:t>
-            </a:r>
-          </a:p>
-          <a:p>
-            <a:pPr marL="324000" lvl="1" indent="0">
-              <a:buNone/>
-            </a:pPr>
-            <a:r>
-              <a:rPr lang="en-US" sz="3000" b="1" dirty="0"/>
-              <a:t>Compute TF-IDF score for “plot”.</a:t>
-            </a:r>
-          </a:p>
-        </p:txBody>
-      </p:sp>
-    </p:spTree>
-    <p:extLst>
-      <p:ext uri="{BB962C8B-B14F-4D97-AF65-F5344CB8AC3E}">
-        <p14:creationId xmlns:p14="http://schemas.microsoft.com/office/powerpoint/2010/main" val="3136134985"/>
-      </p:ext>
-    </p:extLst>
-  </p:cSld>
-  <p:clrMapOvr>
-    <a:masterClrMapping/>
-  </p:clrMapOvr>
-</p:sld>
-</file>
-
-<file path=ppt/slides/slide5.xml><?xml version="1.0" encoding="utf-8"?>
-<p:sld xmlns:a="http://schemas.openxmlformats.org/drawingml/2006/main" xmlns:r="http://schemas.openxmlformats.org/officeDocument/2006/relationships" xmlns:p="http://schemas.openxmlformats.org/presentationml/2006/main">
-  <p:cSld>
-    <p:spTree>
-      <p:nvGrpSpPr>
-        <p:cNvPr id="1" name=""/>
-        <p:cNvGrpSpPr/>
-        <p:nvPr/>
-      </p:nvGrpSpPr>
-      <p:grpSpPr>
-        <a:xfrm>
-          <a:off x="0" y="0"/>
-          <a:ext cx="0" cy="0"/>
-          <a:chOff x="0" y="0"/>
-          <a:chExt cx="0" cy="0"/>
-        </a:xfrm>
-      </p:grpSpPr>
-      <p:sp>
-        <p:nvSpPr>
-          <p:cNvPr id="2" name="Title 1">
-            <a:extLst>
-              <a:ext uri="{FF2B5EF4-FFF2-40B4-BE49-F238E27FC236}">
-                <a16:creationId xmlns:a16="http://schemas.microsoft.com/office/drawing/2014/main" id="{A4060DE6-C4A5-924B-A00E-98CD416FA11D}"/>
-              </a:ext>
-            </a:extLst>
-          </p:cNvPr>
-          <p:cNvSpPr>
-            <a:spLocks noGrp="1"/>
-          </p:cNvSpPr>
-          <p:nvPr>
-            <p:ph type="title"/>
-          </p:nvPr>
-        </p:nvSpPr>
-        <p:spPr/>
-        <p:txBody>
-          <a:bodyPr/>
-          <a:lstStyle/>
-          <a:p>
-            <a:r>
-              <a:rPr lang="en-US" dirty="0"/>
-              <a:t>Regular Expressions (15 minutes)</a:t>
-            </a:r>
-          </a:p>
-        </p:txBody>
-      </p:sp>
-      <p:sp>
-        <p:nvSpPr>
-          <p:cNvPr id="3" name="Content Placeholder 2">
-            <a:extLst>
-              <a:ext uri="{FF2B5EF4-FFF2-40B4-BE49-F238E27FC236}">
-                <a16:creationId xmlns:a16="http://schemas.microsoft.com/office/drawing/2014/main" id="{C2742090-08F1-FD44-9060-27D243814052}"/>
-              </a:ext>
-            </a:extLst>
-          </p:cNvPr>
-          <p:cNvSpPr>
-            <a:spLocks noGrp="1"/>
-          </p:cNvSpPr>
-          <p:nvPr>
-            <p:ph idx="1"/>
-          </p:nvPr>
-        </p:nvSpPr>
-        <p:spPr/>
-        <p:txBody>
-          <a:bodyPr>
-            <a:normAutofit/>
-          </a:bodyPr>
-          <a:lstStyle/>
-          <a:p>
-            <a:r>
-              <a:rPr lang="en-US" sz="3200" b="1" dirty="0"/>
-              <a:t>Work in pairs on </a:t>
-            </a:r>
-            <a:r>
-              <a:rPr lang="en-US" sz="3200" b="1"/>
-              <a:t>the exercise. </a:t>
-            </a:r>
-            <a:r>
-              <a:rPr lang="en-US" sz="3200" b="1" dirty="0"/>
-              <a:t>Submit only one copy of your code to me via Slack.</a:t>
-            </a:r>
-          </a:p>
-        </p:txBody>
-      </p:sp>
-    </p:spTree>
-    <p:extLst>
-      <p:ext uri="{BB962C8B-B14F-4D97-AF65-F5344CB8AC3E}">
-        <p14:creationId xmlns:p14="http://schemas.microsoft.com/office/powerpoint/2010/main" val="174395476"/>
+        <p14:creationId xmlns:p14="http://schemas.microsoft.com/office/powerpoint/2010/main" val="223759411"/>
       </p:ext>
     </p:extLst>
   </p:cSld>

--- a/week6/slides.pptx
+++ b/week6/slides.pptx
@@ -9684,10 +9684,15 @@
             <p:ph idx="1"/>
           </p:nvPr>
         </p:nvSpPr>
-        <p:spPr/>
+        <p:spPr>
+          <a:xfrm>
+            <a:off x="581193" y="2045584"/>
+            <a:ext cx="11029615" cy="4677504"/>
+          </a:xfrm>
+        </p:spPr>
         <p:txBody>
           <a:bodyPr>
-            <a:normAutofit fontScale="62500" lnSpcReduction="20000"/>
+            <a:normAutofit lnSpcReduction="10000"/>
           </a:bodyPr>
           <a:lstStyle/>
           <a:p>
@@ -9716,11 +9721,11 @@
             </a:r>
             <a:r>
               <a:rPr lang="en-US" b="1" dirty="0"/>
-              <a:t>1</a:t>
+              <a:t>1and embedding dimension of D.</a:t>
             </a:r>
             <a:r>
               <a:rPr lang="en-US" dirty="0"/>
-              <a:t>. </a:t>
+              <a:t> </a:t>
             </a:r>
           </a:p>
           <a:p>
@@ -9728,7 +9733,7 @@
               <a:buNone/>
             </a:pPr>
             <a:r>
-              <a:rPr lang="en-US" b="1" dirty="0"/>
+              <a:rPr lang="en-US" sz="1900" b="1" dirty="0"/>
               <a:t>For each object:</a:t>
             </a:r>
           </a:p>
@@ -9737,7 +9742,7 @@
               <a:buAutoNum type="arabicPeriod"/>
             </a:pPr>
             <a:r>
-              <a:rPr lang="en-US" b="1" dirty="0"/>
+              <a:rPr lang="en-US" sz="1900" b="1" dirty="0"/>
               <a:t>Shape</a:t>
             </a:r>
           </a:p>
@@ -9746,75 +9751,66 @@
               <a:buAutoNum type="arabicPeriod"/>
             </a:pPr>
             <a:r>
-              <a:rPr lang="en-US" b="1" dirty="0"/>
+              <a:rPr lang="en-US" sz="1900" b="1" dirty="0"/>
               <a:t>What does matrix[</a:t>
             </a:r>
             <a:r>
-              <a:rPr lang="en-US" b="1" dirty="0" err="1"/>
+              <a:rPr lang="en-US" sz="1900" b="1" dirty="0" err="1"/>
               <a:t>i,j</a:t>
             </a:r>
             <a:r>
-              <a:rPr lang="en-US" b="1" dirty="0"/>
+              <a:rPr lang="en-US" sz="1900" b="1" dirty="0"/>
               <a:t>] represent?</a:t>
             </a:r>
-          </a:p>
-          <a:p>
-            <a:pPr marL="0" indent="0">
-              <a:buNone/>
-            </a:pPr>
-            <a:endParaRPr lang="en-US" dirty="0"/>
+            <a:endParaRPr lang="en-US" sz="1900" dirty="0"/>
           </a:p>
           <a:p>
             <a:r>
-              <a:rPr lang="en-US" dirty="0"/>
+              <a:rPr lang="en-US" sz="1900" dirty="0"/>
               <a:t>Test feature matrix</a:t>
             </a:r>
           </a:p>
           <a:p>
             <a:r>
-              <a:rPr lang="en-US" dirty="0"/>
-              <a:t>Test target vector</a:t>
+              <a:rPr lang="en-US" sz="1900" dirty="0"/>
+              <a:t>Test target vector </a:t>
             </a:r>
           </a:p>
           <a:p>
             <a:r>
-              <a:rPr lang="en-US" dirty="0"/>
-              <a:t>Training target vector</a:t>
-            </a:r>
-          </a:p>
-          <a:p>
-            <a:r>
-              <a:rPr lang="en-US" dirty="0"/>
+              <a:rPr lang="en-US" sz="1900" dirty="0"/>
               <a:t>Co-occurrence matrix</a:t>
             </a:r>
           </a:p>
           <a:p>
             <a:r>
-              <a:rPr lang="en-US" dirty="0"/>
+              <a:rPr lang="en-US" sz="1900" dirty="0"/>
               <a:t>Transition matrix</a:t>
             </a:r>
-          </a:p>
-          <a:p>
             <a:r>
-              <a:rPr lang="en-US" dirty="0"/>
-              <a:t>Word vectors</a:t>
+              <a:rPr lang="en-US" sz="1900" b="1" dirty="0"/>
+              <a:t> </a:t>
             </a:r>
-          </a:p>
-          <a:p>
             <a:r>
-              <a:rPr lang="en-US" dirty="0"/>
-              <a:t>One-hot encoded vector</a:t>
+              <a:rPr lang="en-US" sz="1900" dirty="0"/>
+              <a:t>Word matrix (in word2vec model)</a:t>
             </a:r>
           </a:p>
           <a:p>
             <a:r>
-              <a:rPr lang="en-US" dirty="0"/>
-              <a:t>Context vectors</a:t>
+              <a:rPr lang="en-US" sz="1900" dirty="0"/>
+              <a:t>One-hot encoded vector (in word2vec model)</a:t>
             </a:r>
           </a:p>
           <a:p>
             <a:r>
-              <a:rPr lang="en-US" dirty="0"/>
+              <a:rPr lang="en-US" sz="1900" dirty="0"/>
+              <a:t>Context matrix (in word2vec model)</a:t>
+            </a:r>
+          </a:p>
+          <a:p>
+            <a:r>
+              <a:rPr lang="en-US" sz="1900" dirty="0"/>
               <a:t>Draw the word2vec architecture and label all of its shapes:</a:t>
             </a:r>
           </a:p>
